--- a/design/AD/arborescence.pptx
+++ b/design/AD/arborescence.pptx
@@ -7,6 +7,7 @@
   <p:sldIdLst>
     <p:sldId id="256" r:id="rId2"/>
     <p:sldId id="257" r:id="rId3"/>
+    <p:sldId id="258" r:id="rId4"/>
   </p:sldIdLst>
   <p:sldSz cx="12192000" cy="6858000"/>
   <p:notesSz cx="6858000" cy="9144000"/>
@@ -260,7 +261,7 @@
           <a:p>
             <a:fld id="{7961F5FF-605A-49D8-AE04-BE5422DEBD98}" type="datetimeFigureOut">
               <a:rPr lang="fr-FR" smtClean="0"/>
-              <a:t>08/04/2021</a:t>
+              <a:t>16/04/2021</a:t>
             </a:fld>
             <a:endParaRPr lang="fr-FR"/>
           </a:p>
@@ -458,7 +459,7 @@
           <a:p>
             <a:fld id="{7961F5FF-605A-49D8-AE04-BE5422DEBD98}" type="datetimeFigureOut">
               <a:rPr lang="fr-FR" smtClean="0"/>
-              <a:t>08/04/2021</a:t>
+              <a:t>16/04/2021</a:t>
             </a:fld>
             <a:endParaRPr lang="fr-FR"/>
           </a:p>
@@ -666,7 +667,7 @@
           <a:p>
             <a:fld id="{7961F5FF-605A-49D8-AE04-BE5422DEBD98}" type="datetimeFigureOut">
               <a:rPr lang="fr-FR" smtClean="0"/>
-              <a:t>08/04/2021</a:t>
+              <a:t>16/04/2021</a:t>
             </a:fld>
             <a:endParaRPr lang="fr-FR"/>
           </a:p>
@@ -864,7 +865,7 @@
           <a:p>
             <a:fld id="{7961F5FF-605A-49D8-AE04-BE5422DEBD98}" type="datetimeFigureOut">
               <a:rPr lang="fr-FR" smtClean="0"/>
-              <a:t>08/04/2021</a:t>
+              <a:t>16/04/2021</a:t>
             </a:fld>
             <a:endParaRPr lang="fr-FR"/>
           </a:p>
@@ -1139,7 +1140,7 @@
           <a:p>
             <a:fld id="{7961F5FF-605A-49D8-AE04-BE5422DEBD98}" type="datetimeFigureOut">
               <a:rPr lang="fr-FR" smtClean="0"/>
-              <a:t>08/04/2021</a:t>
+              <a:t>16/04/2021</a:t>
             </a:fld>
             <a:endParaRPr lang="fr-FR"/>
           </a:p>
@@ -1404,7 +1405,7 @@
           <a:p>
             <a:fld id="{7961F5FF-605A-49D8-AE04-BE5422DEBD98}" type="datetimeFigureOut">
               <a:rPr lang="fr-FR" smtClean="0"/>
-              <a:t>08/04/2021</a:t>
+              <a:t>16/04/2021</a:t>
             </a:fld>
             <a:endParaRPr lang="fr-FR"/>
           </a:p>
@@ -1816,7 +1817,7 @@
           <a:p>
             <a:fld id="{7961F5FF-605A-49D8-AE04-BE5422DEBD98}" type="datetimeFigureOut">
               <a:rPr lang="fr-FR" smtClean="0"/>
-              <a:t>08/04/2021</a:t>
+              <a:t>16/04/2021</a:t>
             </a:fld>
             <a:endParaRPr lang="fr-FR"/>
           </a:p>
@@ -1957,7 +1958,7 @@
           <a:p>
             <a:fld id="{7961F5FF-605A-49D8-AE04-BE5422DEBD98}" type="datetimeFigureOut">
               <a:rPr lang="fr-FR" smtClean="0"/>
-              <a:t>08/04/2021</a:t>
+              <a:t>16/04/2021</a:t>
             </a:fld>
             <a:endParaRPr lang="fr-FR"/>
           </a:p>
@@ -2070,7 +2071,7 @@
           <a:p>
             <a:fld id="{7961F5FF-605A-49D8-AE04-BE5422DEBD98}" type="datetimeFigureOut">
               <a:rPr lang="fr-FR" smtClean="0"/>
-              <a:t>08/04/2021</a:t>
+              <a:t>16/04/2021</a:t>
             </a:fld>
             <a:endParaRPr lang="fr-FR"/>
           </a:p>
@@ -2381,7 +2382,7 @@
           <a:p>
             <a:fld id="{7961F5FF-605A-49D8-AE04-BE5422DEBD98}" type="datetimeFigureOut">
               <a:rPr lang="fr-FR" smtClean="0"/>
-              <a:t>08/04/2021</a:t>
+              <a:t>16/04/2021</a:t>
             </a:fld>
             <a:endParaRPr lang="fr-FR"/>
           </a:p>
@@ -2669,7 +2670,7 @@
           <a:p>
             <a:fld id="{7961F5FF-605A-49D8-AE04-BE5422DEBD98}" type="datetimeFigureOut">
               <a:rPr lang="fr-FR" smtClean="0"/>
-              <a:t>08/04/2021</a:t>
+              <a:t>16/04/2021</a:t>
             </a:fld>
             <a:endParaRPr lang="fr-FR"/>
           </a:p>
@@ -2910,7 +2911,7 @@
           <a:p>
             <a:fld id="{7961F5FF-605A-49D8-AE04-BE5422DEBD98}" type="datetimeFigureOut">
               <a:rPr lang="fr-FR" smtClean="0"/>
-              <a:t>08/04/2021</a:t>
+              <a:t>16/04/2021</a:t>
             </a:fld>
             <a:endParaRPr lang="fr-FR"/>
           </a:p>
@@ -5219,6 +5220,861 @@
 </p:sld>
 </file>
 
+<file path=ppt/slides/slide3.xml><?xml version="1.0" encoding="utf-8"?>
+<p:sld xmlns:a="http://schemas.openxmlformats.org/drawingml/2006/main" xmlns:r="http://schemas.openxmlformats.org/officeDocument/2006/relationships" xmlns:p="http://schemas.openxmlformats.org/presentationml/2006/main">
+  <p:cSld>
+    <p:spTree>
+      <p:nvGrpSpPr>
+        <p:cNvPr id="1" name=""/>
+        <p:cNvGrpSpPr/>
+        <p:nvPr/>
+      </p:nvGrpSpPr>
+      <p:grpSpPr>
+        <a:xfrm>
+          <a:off x="0" y="0"/>
+          <a:ext cx="0" cy="0"/>
+          <a:chOff x="0" y="0"/>
+          <a:chExt cx="0" cy="0"/>
+        </a:xfrm>
+      </p:grpSpPr>
+      <p:sp>
+        <p:nvSpPr>
+          <p:cNvPr id="4" name="Rectangle : coins arrondis 3">
+            <a:extLst>
+              <a:ext uri="{FF2B5EF4-FFF2-40B4-BE49-F238E27FC236}">
+                <a16:creationId xmlns:a16="http://schemas.microsoft.com/office/drawing/2014/main" id="{919CFB94-D8D0-48B8-8646-41A1BF4909CB}"/>
+              </a:ext>
+            </a:extLst>
+          </p:cNvPr>
+          <p:cNvSpPr/>
+          <p:nvPr/>
+        </p:nvSpPr>
+        <p:spPr>
+          <a:xfrm>
+            <a:off x="4655288" y="180753"/>
+            <a:ext cx="2881423" cy="1648047"/>
+          </a:xfrm>
+          <a:prstGeom prst="roundRect">
+            <a:avLst/>
+          </a:prstGeom>
+          <a:solidFill>
+            <a:schemeClr val="accent4">
+              <a:lumMod val="20000"/>
+              <a:lumOff val="80000"/>
+            </a:schemeClr>
+          </a:solidFill>
+          <a:ln>
+            <a:solidFill>
+              <a:schemeClr val="tx1"/>
+            </a:solidFill>
+          </a:ln>
+        </p:spPr>
+        <p:style>
+          <a:lnRef idx="2">
+            <a:schemeClr val="accent1">
+              <a:shade val="50000"/>
+            </a:schemeClr>
+          </a:lnRef>
+          <a:fillRef idx="1">
+            <a:schemeClr val="accent1"/>
+          </a:fillRef>
+          <a:effectRef idx="0">
+            <a:schemeClr val="accent1"/>
+          </a:effectRef>
+          <a:fontRef idx="minor">
+            <a:schemeClr val="lt1"/>
+          </a:fontRef>
+        </p:style>
+        <p:txBody>
+          <a:bodyPr rtlCol="0" anchor="ctr"/>
+          <a:lstStyle/>
+          <a:p>
+            <a:pPr algn="ctr"/>
+            <a:r>
+              <a:rPr lang="fr-FR" dirty="0" err="1">
+                <a:solidFill>
+                  <a:schemeClr val="tx1"/>
+                </a:solidFill>
+              </a:rPr>
+              <a:t>acceuil</a:t>
+            </a:r>
+            <a:endParaRPr lang="fr-FR" dirty="0">
+              <a:solidFill>
+                <a:schemeClr val="tx1"/>
+              </a:solidFill>
+            </a:endParaRPr>
+          </a:p>
+        </p:txBody>
+      </p:sp>
+      <p:sp>
+        <p:nvSpPr>
+          <p:cNvPr id="6" name="Rectangle : coins arrondis 5">
+            <a:extLst>
+              <a:ext uri="{FF2B5EF4-FFF2-40B4-BE49-F238E27FC236}">
+                <a16:creationId xmlns:a16="http://schemas.microsoft.com/office/drawing/2014/main" id="{56FA011B-BED3-4D26-B7A1-C0C0505AD92B}"/>
+              </a:ext>
+            </a:extLst>
+          </p:cNvPr>
+          <p:cNvSpPr/>
+          <p:nvPr/>
+        </p:nvSpPr>
+        <p:spPr>
+          <a:xfrm>
+            <a:off x="427074" y="3551275"/>
+            <a:ext cx="1539949" cy="2544726"/>
+          </a:xfrm>
+          <a:prstGeom prst="roundRect">
+            <a:avLst/>
+          </a:prstGeom>
+          <a:solidFill>
+            <a:schemeClr val="accent4">
+              <a:lumMod val="20000"/>
+              <a:lumOff val="80000"/>
+            </a:schemeClr>
+          </a:solidFill>
+          <a:ln>
+            <a:solidFill>
+              <a:schemeClr val="tx1"/>
+            </a:solidFill>
+          </a:ln>
+        </p:spPr>
+        <p:style>
+          <a:lnRef idx="2">
+            <a:schemeClr val="accent1">
+              <a:shade val="50000"/>
+            </a:schemeClr>
+          </a:lnRef>
+          <a:fillRef idx="1">
+            <a:schemeClr val="accent1"/>
+          </a:fillRef>
+          <a:effectRef idx="0">
+            <a:schemeClr val="accent1"/>
+          </a:effectRef>
+          <a:fontRef idx="minor">
+            <a:schemeClr val="lt1"/>
+          </a:fontRef>
+        </p:style>
+        <p:txBody>
+          <a:bodyPr rtlCol="0" anchor="ctr"/>
+          <a:lstStyle/>
+          <a:p>
+            <a:pPr algn="ctr"/>
+            <a:r>
+              <a:rPr lang="fr-FR" dirty="0" err="1">
+                <a:solidFill>
+                  <a:schemeClr val="tx1"/>
+                </a:solidFill>
+              </a:rPr>
+              <a:t>credits</a:t>
+            </a:r>
+            <a:endParaRPr lang="fr-FR" dirty="0">
+              <a:solidFill>
+                <a:schemeClr val="tx1"/>
+              </a:solidFill>
+            </a:endParaRPr>
+          </a:p>
+        </p:txBody>
+      </p:sp>
+      <p:sp>
+        <p:nvSpPr>
+          <p:cNvPr id="7" name="Rectangle : coins arrondis 6">
+            <a:extLst>
+              <a:ext uri="{FF2B5EF4-FFF2-40B4-BE49-F238E27FC236}">
+                <a16:creationId xmlns:a16="http://schemas.microsoft.com/office/drawing/2014/main" id="{FF9F7110-8F84-4875-B892-E3DE8EF7A8D9}"/>
+              </a:ext>
+            </a:extLst>
+          </p:cNvPr>
+          <p:cNvSpPr/>
+          <p:nvPr/>
+        </p:nvSpPr>
+        <p:spPr>
+          <a:xfrm>
+            <a:off x="3885314" y="3551275"/>
+            <a:ext cx="1133254" cy="2544726"/>
+          </a:xfrm>
+          <a:prstGeom prst="roundRect">
+            <a:avLst/>
+          </a:prstGeom>
+          <a:solidFill>
+            <a:schemeClr val="accent4">
+              <a:lumMod val="20000"/>
+              <a:lumOff val="80000"/>
+            </a:schemeClr>
+          </a:solidFill>
+          <a:ln>
+            <a:solidFill>
+              <a:schemeClr val="tx1"/>
+            </a:solidFill>
+          </a:ln>
+        </p:spPr>
+        <p:style>
+          <a:lnRef idx="2">
+            <a:schemeClr val="accent1">
+              <a:shade val="50000"/>
+            </a:schemeClr>
+          </a:lnRef>
+          <a:fillRef idx="1">
+            <a:schemeClr val="accent1"/>
+          </a:fillRef>
+          <a:effectRef idx="0">
+            <a:schemeClr val="accent1"/>
+          </a:effectRef>
+          <a:fontRef idx="minor">
+            <a:schemeClr val="lt1"/>
+          </a:fontRef>
+        </p:style>
+        <p:txBody>
+          <a:bodyPr rtlCol="0" anchor="ctr"/>
+          <a:lstStyle/>
+          <a:p>
+            <a:pPr algn="ctr"/>
+            <a:r>
+              <a:rPr lang="fr-FR" dirty="0">
+                <a:solidFill>
+                  <a:schemeClr val="tx1"/>
+                </a:solidFill>
+              </a:rPr>
+              <a:t>article</a:t>
+            </a:r>
+          </a:p>
+        </p:txBody>
+      </p:sp>
+      <p:sp>
+        <p:nvSpPr>
+          <p:cNvPr id="8" name="Rectangle : coins arrondis 7">
+            <a:extLst>
+              <a:ext uri="{FF2B5EF4-FFF2-40B4-BE49-F238E27FC236}">
+                <a16:creationId xmlns:a16="http://schemas.microsoft.com/office/drawing/2014/main" id="{4CBF9D1B-3E50-4289-AFB2-A8DBC480CF73}"/>
+              </a:ext>
+            </a:extLst>
+          </p:cNvPr>
+          <p:cNvSpPr/>
+          <p:nvPr/>
+        </p:nvSpPr>
+        <p:spPr>
+          <a:xfrm>
+            <a:off x="5143500" y="3551275"/>
+            <a:ext cx="1133254" cy="2544726"/>
+          </a:xfrm>
+          <a:prstGeom prst="roundRect">
+            <a:avLst/>
+          </a:prstGeom>
+          <a:solidFill>
+            <a:schemeClr val="accent4">
+              <a:lumMod val="20000"/>
+              <a:lumOff val="80000"/>
+            </a:schemeClr>
+          </a:solidFill>
+          <a:ln>
+            <a:solidFill>
+              <a:schemeClr val="tx1"/>
+            </a:solidFill>
+          </a:ln>
+        </p:spPr>
+        <p:style>
+          <a:lnRef idx="2">
+            <a:schemeClr val="accent1">
+              <a:shade val="50000"/>
+            </a:schemeClr>
+          </a:lnRef>
+          <a:fillRef idx="1">
+            <a:schemeClr val="accent1"/>
+          </a:fillRef>
+          <a:effectRef idx="0">
+            <a:schemeClr val="accent1"/>
+          </a:effectRef>
+          <a:fontRef idx="minor">
+            <a:schemeClr val="lt1"/>
+          </a:fontRef>
+        </p:style>
+        <p:txBody>
+          <a:bodyPr rtlCol="0" anchor="ctr"/>
+          <a:lstStyle/>
+          <a:p>
+            <a:pPr algn="ctr"/>
+            <a:r>
+              <a:rPr lang="fr-FR" dirty="0">
+                <a:solidFill>
+                  <a:schemeClr val="tx1"/>
+                </a:solidFill>
+              </a:rPr>
+              <a:t>article</a:t>
+            </a:r>
+          </a:p>
+        </p:txBody>
+      </p:sp>
+      <p:sp>
+        <p:nvSpPr>
+          <p:cNvPr id="9" name="Rectangle : coins arrondis 8">
+            <a:extLst>
+              <a:ext uri="{FF2B5EF4-FFF2-40B4-BE49-F238E27FC236}">
+                <a16:creationId xmlns:a16="http://schemas.microsoft.com/office/drawing/2014/main" id="{695159DE-6386-49DE-ABF1-0492FF057B26}"/>
+              </a:ext>
+            </a:extLst>
+          </p:cNvPr>
+          <p:cNvSpPr/>
+          <p:nvPr/>
+        </p:nvSpPr>
+        <p:spPr>
+          <a:xfrm>
+            <a:off x="6403457" y="3551275"/>
+            <a:ext cx="1133254" cy="2544726"/>
+          </a:xfrm>
+          <a:prstGeom prst="roundRect">
+            <a:avLst/>
+          </a:prstGeom>
+          <a:solidFill>
+            <a:schemeClr val="accent4">
+              <a:lumMod val="20000"/>
+              <a:lumOff val="80000"/>
+            </a:schemeClr>
+          </a:solidFill>
+          <a:ln>
+            <a:solidFill>
+              <a:schemeClr val="tx1"/>
+            </a:solidFill>
+          </a:ln>
+        </p:spPr>
+        <p:style>
+          <a:lnRef idx="2">
+            <a:schemeClr val="accent1">
+              <a:shade val="50000"/>
+            </a:schemeClr>
+          </a:lnRef>
+          <a:fillRef idx="1">
+            <a:schemeClr val="accent1"/>
+          </a:fillRef>
+          <a:effectRef idx="0">
+            <a:schemeClr val="accent1"/>
+          </a:effectRef>
+          <a:fontRef idx="minor">
+            <a:schemeClr val="lt1"/>
+          </a:fontRef>
+        </p:style>
+        <p:txBody>
+          <a:bodyPr rtlCol="0" anchor="ctr"/>
+          <a:lstStyle/>
+          <a:p>
+            <a:pPr algn="ctr"/>
+            <a:r>
+              <a:rPr lang="fr-FR" dirty="0">
+                <a:solidFill>
+                  <a:schemeClr val="tx1"/>
+                </a:solidFill>
+              </a:rPr>
+              <a:t>article</a:t>
+            </a:r>
+          </a:p>
+        </p:txBody>
+      </p:sp>
+      <p:sp>
+        <p:nvSpPr>
+          <p:cNvPr id="10" name="Rectangle : coins arrondis 9">
+            <a:extLst>
+              <a:ext uri="{FF2B5EF4-FFF2-40B4-BE49-F238E27FC236}">
+                <a16:creationId xmlns:a16="http://schemas.microsoft.com/office/drawing/2014/main" id="{B73D9D09-2A6C-411F-A9E3-67E2D93830FF}"/>
+              </a:ext>
+            </a:extLst>
+          </p:cNvPr>
+          <p:cNvSpPr/>
+          <p:nvPr/>
+        </p:nvSpPr>
+        <p:spPr>
+          <a:xfrm>
+            <a:off x="7663414" y="3551275"/>
+            <a:ext cx="1133254" cy="2544726"/>
+          </a:xfrm>
+          <a:prstGeom prst="roundRect">
+            <a:avLst/>
+          </a:prstGeom>
+          <a:solidFill>
+            <a:schemeClr val="accent4">
+              <a:lumMod val="20000"/>
+              <a:lumOff val="80000"/>
+            </a:schemeClr>
+          </a:solidFill>
+          <a:ln>
+            <a:solidFill>
+              <a:schemeClr val="tx1"/>
+            </a:solidFill>
+          </a:ln>
+        </p:spPr>
+        <p:style>
+          <a:lnRef idx="2">
+            <a:schemeClr val="accent1">
+              <a:shade val="50000"/>
+            </a:schemeClr>
+          </a:lnRef>
+          <a:fillRef idx="1">
+            <a:schemeClr val="accent1"/>
+          </a:fillRef>
+          <a:effectRef idx="0">
+            <a:schemeClr val="accent1"/>
+          </a:effectRef>
+          <a:fontRef idx="minor">
+            <a:schemeClr val="lt1"/>
+          </a:fontRef>
+        </p:style>
+        <p:txBody>
+          <a:bodyPr rtlCol="0" anchor="ctr"/>
+          <a:lstStyle/>
+          <a:p>
+            <a:pPr algn="ctr"/>
+            <a:r>
+              <a:rPr lang="fr-FR" dirty="0">
+                <a:solidFill>
+                  <a:schemeClr val="tx1"/>
+                </a:solidFill>
+              </a:rPr>
+              <a:t>article</a:t>
+            </a:r>
+          </a:p>
+        </p:txBody>
+      </p:sp>
+      <p:sp>
+        <p:nvSpPr>
+          <p:cNvPr id="11" name="Rectangle : coins arrondis 10">
+            <a:extLst>
+              <a:ext uri="{FF2B5EF4-FFF2-40B4-BE49-F238E27FC236}">
+                <a16:creationId xmlns:a16="http://schemas.microsoft.com/office/drawing/2014/main" id="{FA9E2C11-ADDC-4300-B675-65D16BC645E3}"/>
+              </a:ext>
+            </a:extLst>
+          </p:cNvPr>
+          <p:cNvSpPr/>
+          <p:nvPr/>
+        </p:nvSpPr>
+        <p:spPr>
+          <a:xfrm>
+            <a:off x="8921600" y="3551275"/>
+            <a:ext cx="1133254" cy="2544726"/>
+          </a:xfrm>
+          <a:prstGeom prst="roundRect">
+            <a:avLst/>
+          </a:prstGeom>
+          <a:solidFill>
+            <a:schemeClr val="accent4">
+              <a:lumMod val="20000"/>
+              <a:lumOff val="80000"/>
+            </a:schemeClr>
+          </a:solidFill>
+          <a:ln>
+            <a:solidFill>
+              <a:schemeClr val="tx1"/>
+            </a:solidFill>
+          </a:ln>
+        </p:spPr>
+        <p:style>
+          <a:lnRef idx="2">
+            <a:schemeClr val="accent1">
+              <a:shade val="50000"/>
+            </a:schemeClr>
+          </a:lnRef>
+          <a:fillRef idx="1">
+            <a:schemeClr val="accent1"/>
+          </a:fillRef>
+          <a:effectRef idx="0">
+            <a:schemeClr val="accent1"/>
+          </a:effectRef>
+          <a:fontRef idx="minor">
+            <a:schemeClr val="lt1"/>
+          </a:fontRef>
+        </p:style>
+        <p:txBody>
+          <a:bodyPr rtlCol="0" anchor="ctr"/>
+          <a:lstStyle/>
+          <a:p>
+            <a:pPr algn="ctr"/>
+            <a:r>
+              <a:rPr lang="fr-FR" dirty="0">
+                <a:solidFill>
+                  <a:schemeClr val="tx1"/>
+                </a:solidFill>
+              </a:rPr>
+              <a:t>article</a:t>
+            </a:r>
+          </a:p>
+        </p:txBody>
+      </p:sp>
+      <p:sp>
+        <p:nvSpPr>
+          <p:cNvPr id="12" name="Rectangle : coins arrondis 11">
+            <a:extLst>
+              <a:ext uri="{FF2B5EF4-FFF2-40B4-BE49-F238E27FC236}">
+                <a16:creationId xmlns:a16="http://schemas.microsoft.com/office/drawing/2014/main" id="{65219382-0788-45F5-AAFC-FEB9598E2BD4}"/>
+              </a:ext>
+            </a:extLst>
+          </p:cNvPr>
+          <p:cNvSpPr/>
+          <p:nvPr/>
+        </p:nvSpPr>
+        <p:spPr>
+          <a:xfrm>
+            <a:off x="10181557" y="3551275"/>
+            <a:ext cx="1133254" cy="2544726"/>
+          </a:xfrm>
+          <a:prstGeom prst="roundRect">
+            <a:avLst/>
+          </a:prstGeom>
+          <a:solidFill>
+            <a:schemeClr val="accent4">
+              <a:lumMod val="20000"/>
+              <a:lumOff val="80000"/>
+            </a:schemeClr>
+          </a:solidFill>
+          <a:ln>
+            <a:solidFill>
+              <a:schemeClr val="tx1"/>
+            </a:solidFill>
+          </a:ln>
+        </p:spPr>
+        <p:style>
+          <a:lnRef idx="2">
+            <a:schemeClr val="accent1">
+              <a:shade val="50000"/>
+            </a:schemeClr>
+          </a:lnRef>
+          <a:fillRef idx="1">
+            <a:schemeClr val="accent1"/>
+          </a:fillRef>
+          <a:effectRef idx="0">
+            <a:schemeClr val="accent1"/>
+          </a:effectRef>
+          <a:fontRef idx="minor">
+            <a:schemeClr val="lt1"/>
+          </a:fontRef>
+        </p:style>
+        <p:txBody>
+          <a:bodyPr rtlCol="0" anchor="ctr"/>
+          <a:lstStyle/>
+          <a:p>
+            <a:pPr algn="ctr"/>
+            <a:r>
+              <a:rPr lang="fr-FR" dirty="0">
+                <a:solidFill>
+                  <a:schemeClr val="tx1"/>
+                </a:solidFill>
+              </a:rPr>
+              <a:t>article</a:t>
+            </a:r>
+          </a:p>
+        </p:txBody>
+      </p:sp>
+      <p:cxnSp>
+        <p:nvCxnSpPr>
+          <p:cNvPr id="14" name="Connecteur droit avec flèche 13">
+            <a:extLst>
+              <a:ext uri="{FF2B5EF4-FFF2-40B4-BE49-F238E27FC236}">
+                <a16:creationId xmlns:a16="http://schemas.microsoft.com/office/drawing/2014/main" id="{480D62B2-D5A7-45FC-85C4-7B849860E131}"/>
+              </a:ext>
+            </a:extLst>
+          </p:cNvPr>
+          <p:cNvCxnSpPr>
+            <a:cxnSpLocks/>
+          </p:cNvCxnSpPr>
+          <p:nvPr/>
+        </p:nvCxnSpPr>
+        <p:spPr>
+          <a:xfrm flipH="1">
+            <a:off x="1967024" y="1749056"/>
+            <a:ext cx="2561563" cy="1802219"/>
+          </a:xfrm>
+          <a:prstGeom prst="straightConnector1">
+            <a:avLst/>
+          </a:prstGeom>
+          <a:ln>
+            <a:tailEnd type="triangle"/>
+          </a:ln>
+        </p:spPr>
+        <p:style>
+          <a:lnRef idx="1">
+            <a:schemeClr val="accent1"/>
+          </a:lnRef>
+          <a:fillRef idx="0">
+            <a:schemeClr val="accent1"/>
+          </a:fillRef>
+          <a:effectRef idx="0">
+            <a:schemeClr val="accent1"/>
+          </a:effectRef>
+          <a:fontRef idx="minor">
+            <a:schemeClr val="tx1"/>
+          </a:fontRef>
+        </p:style>
+      </p:cxnSp>
+      <p:cxnSp>
+        <p:nvCxnSpPr>
+          <p:cNvPr id="17" name="Connecteur : en angle 16">
+            <a:extLst>
+              <a:ext uri="{FF2B5EF4-FFF2-40B4-BE49-F238E27FC236}">
+                <a16:creationId xmlns:a16="http://schemas.microsoft.com/office/drawing/2014/main" id="{89F55C28-7B83-45A1-A8CF-40BEBEF6C66A}"/>
+              </a:ext>
+            </a:extLst>
+          </p:cNvPr>
+          <p:cNvCxnSpPr>
+            <a:cxnSpLocks/>
+            <a:stCxn id="4" idx="2"/>
+            <a:endCxn id="7" idx="0"/>
+          </p:cNvCxnSpPr>
+          <p:nvPr/>
+        </p:nvCxnSpPr>
+        <p:spPr>
+          <a:xfrm rot="5400000">
+            <a:off x="4412734" y="1868008"/>
+            <a:ext cx="1722475" cy="1644059"/>
+          </a:xfrm>
+          <a:prstGeom prst="bentConnector3">
+            <a:avLst/>
+          </a:prstGeom>
+          <a:ln>
+            <a:tailEnd type="triangle"/>
+          </a:ln>
+        </p:spPr>
+        <p:style>
+          <a:lnRef idx="1">
+            <a:schemeClr val="accent1"/>
+          </a:lnRef>
+          <a:fillRef idx="0">
+            <a:schemeClr val="accent1"/>
+          </a:fillRef>
+          <a:effectRef idx="0">
+            <a:schemeClr val="accent1"/>
+          </a:effectRef>
+          <a:fontRef idx="minor">
+            <a:schemeClr val="tx1"/>
+          </a:fontRef>
+        </p:style>
+      </p:cxnSp>
+      <p:cxnSp>
+        <p:nvCxnSpPr>
+          <p:cNvPr id="19" name="Connecteur : en angle 18">
+            <a:extLst>
+              <a:ext uri="{FF2B5EF4-FFF2-40B4-BE49-F238E27FC236}">
+                <a16:creationId xmlns:a16="http://schemas.microsoft.com/office/drawing/2014/main" id="{B97FEC7E-07F3-4182-86EB-3B72B75A852D}"/>
+              </a:ext>
+            </a:extLst>
+          </p:cNvPr>
+          <p:cNvCxnSpPr>
+            <a:cxnSpLocks/>
+            <a:stCxn id="4" idx="2"/>
+            <a:endCxn id="8" idx="0"/>
+          </p:cNvCxnSpPr>
+          <p:nvPr/>
+        </p:nvCxnSpPr>
+        <p:spPr>
+          <a:xfrm rot="5400000">
+            <a:off x="5041827" y="2497101"/>
+            <a:ext cx="1722475" cy="385873"/>
+          </a:xfrm>
+          <a:prstGeom prst="bentConnector3">
+            <a:avLst/>
+          </a:prstGeom>
+          <a:ln>
+            <a:tailEnd type="triangle"/>
+          </a:ln>
+        </p:spPr>
+        <p:style>
+          <a:lnRef idx="1">
+            <a:schemeClr val="accent1"/>
+          </a:lnRef>
+          <a:fillRef idx="0">
+            <a:schemeClr val="accent1"/>
+          </a:fillRef>
+          <a:effectRef idx="0">
+            <a:schemeClr val="accent1"/>
+          </a:effectRef>
+          <a:fontRef idx="minor">
+            <a:schemeClr val="tx1"/>
+          </a:fontRef>
+        </p:style>
+      </p:cxnSp>
+      <p:cxnSp>
+        <p:nvCxnSpPr>
+          <p:cNvPr id="22" name="Connecteur : en angle 21">
+            <a:extLst>
+              <a:ext uri="{FF2B5EF4-FFF2-40B4-BE49-F238E27FC236}">
+                <a16:creationId xmlns:a16="http://schemas.microsoft.com/office/drawing/2014/main" id="{1BB402DA-A4FE-497A-A505-55CC87EE3449}"/>
+              </a:ext>
+            </a:extLst>
+          </p:cNvPr>
+          <p:cNvCxnSpPr>
+            <a:cxnSpLocks/>
+            <a:stCxn id="4" idx="2"/>
+            <a:endCxn id="9" idx="0"/>
+          </p:cNvCxnSpPr>
+          <p:nvPr/>
+        </p:nvCxnSpPr>
+        <p:spPr>
+          <a:xfrm rot="16200000" flipH="1">
+            <a:off x="5671805" y="2252995"/>
+            <a:ext cx="1722475" cy="874084"/>
+          </a:xfrm>
+          <a:prstGeom prst="bentConnector3">
+            <a:avLst/>
+          </a:prstGeom>
+          <a:ln>
+            <a:tailEnd type="triangle"/>
+          </a:ln>
+        </p:spPr>
+        <p:style>
+          <a:lnRef idx="1">
+            <a:schemeClr val="accent1"/>
+          </a:lnRef>
+          <a:fillRef idx="0">
+            <a:schemeClr val="accent1"/>
+          </a:fillRef>
+          <a:effectRef idx="0">
+            <a:schemeClr val="accent1"/>
+          </a:effectRef>
+          <a:fontRef idx="minor">
+            <a:schemeClr val="tx1"/>
+          </a:fontRef>
+        </p:style>
+      </p:cxnSp>
+      <p:cxnSp>
+        <p:nvCxnSpPr>
+          <p:cNvPr id="25" name="Connecteur : en angle 24">
+            <a:extLst>
+              <a:ext uri="{FF2B5EF4-FFF2-40B4-BE49-F238E27FC236}">
+                <a16:creationId xmlns:a16="http://schemas.microsoft.com/office/drawing/2014/main" id="{4BCA64D4-4B0D-4489-9472-F09B0B9EACF8}"/>
+              </a:ext>
+            </a:extLst>
+          </p:cNvPr>
+          <p:cNvCxnSpPr>
+            <a:cxnSpLocks/>
+            <a:stCxn id="4" idx="2"/>
+            <a:endCxn id="10" idx="0"/>
+          </p:cNvCxnSpPr>
+          <p:nvPr/>
+        </p:nvCxnSpPr>
+        <p:spPr>
+          <a:xfrm rot="16200000" flipH="1">
+            <a:off x="6301783" y="1623016"/>
+            <a:ext cx="1722475" cy="2134041"/>
+          </a:xfrm>
+          <a:prstGeom prst="bentConnector3">
+            <a:avLst/>
+          </a:prstGeom>
+          <a:ln>
+            <a:tailEnd type="triangle"/>
+          </a:ln>
+        </p:spPr>
+        <p:style>
+          <a:lnRef idx="1">
+            <a:schemeClr val="accent1"/>
+          </a:lnRef>
+          <a:fillRef idx="0">
+            <a:schemeClr val="accent1"/>
+          </a:fillRef>
+          <a:effectRef idx="0">
+            <a:schemeClr val="accent1"/>
+          </a:effectRef>
+          <a:fontRef idx="minor">
+            <a:schemeClr val="tx1"/>
+          </a:fontRef>
+        </p:style>
+      </p:cxnSp>
+      <p:cxnSp>
+        <p:nvCxnSpPr>
+          <p:cNvPr id="28" name="Connecteur : en angle 27">
+            <a:extLst>
+              <a:ext uri="{FF2B5EF4-FFF2-40B4-BE49-F238E27FC236}">
+                <a16:creationId xmlns:a16="http://schemas.microsoft.com/office/drawing/2014/main" id="{95760FED-1A20-44CF-A9A1-F9BC8295E3A0}"/>
+              </a:ext>
+            </a:extLst>
+          </p:cNvPr>
+          <p:cNvCxnSpPr>
+            <a:cxnSpLocks/>
+            <a:stCxn id="4" idx="2"/>
+            <a:endCxn id="11" idx="0"/>
+          </p:cNvCxnSpPr>
+          <p:nvPr/>
+        </p:nvCxnSpPr>
+        <p:spPr>
+          <a:xfrm rot="16200000" flipH="1">
+            <a:off x="6930876" y="993923"/>
+            <a:ext cx="1722475" cy="3392227"/>
+          </a:xfrm>
+          <a:prstGeom prst="bentConnector3">
+            <a:avLst>
+              <a:gd name="adj1" fmla="val 50000"/>
+            </a:avLst>
+          </a:prstGeom>
+          <a:ln>
+            <a:tailEnd type="triangle"/>
+          </a:ln>
+        </p:spPr>
+        <p:style>
+          <a:lnRef idx="1">
+            <a:schemeClr val="accent1"/>
+          </a:lnRef>
+          <a:fillRef idx="0">
+            <a:schemeClr val="accent1"/>
+          </a:fillRef>
+          <a:effectRef idx="0">
+            <a:schemeClr val="accent1"/>
+          </a:effectRef>
+          <a:fontRef idx="minor">
+            <a:schemeClr val="tx1"/>
+          </a:fontRef>
+        </p:style>
+      </p:cxnSp>
+      <p:cxnSp>
+        <p:nvCxnSpPr>
+          <p:cNvPr id="31" name="Connecteur : en angle 30">
+            <a:extLst>
+              <a:ext uri="{FF2B5EF4-FFF2-40B4-BE49-F238E27FC236}">
+                <a16:creationId xmlns:a16="http://schemas.microsoft.com/office/drawing/2014/main" id="{1E9D7DC6-33AC-44E9-82F5-07A61AF41E06}"/>
+              </a:ext>
+            </a:extLst>
+          </p:cNvPr>
+          <p:cNvCxnSpPr>
+            <a:cxnSpLocks/>
+            <a:stCxn id="4" idx="2"/>
+            <a:endCxn id="12" idx="0"/>
+          </p:cNvCxnSpPr>
+          <p:nvPr/>
+        </p:nvCxnSpPr>
+        <p:spPr>
+          <a:xfrm rot="16200000" flipH="1">
+            <a:off x="7560855" y="363945"/>
+            <a:ext cx="1722475" cy="4652184"/>
+          </a:xfrm>
+          <a:prstGeom prst="bentConnector3">
+            <a:avLst>
+              <a:gd name="adj1" fmla="val 50000"/>
+            </a:avLst>
+          </a:prstGeom>
+          <a:ln>
+            <a:tailEnd type="triangle"/>
+          </a:ln>
+        </p:spPr>
+        <p:style>
+          <a:lnRef idx="1">
+            <a:schemeClr val="accent1"/>
+          </a:lnRef>
+          <a:fillRef idx="0">
+            <a:schemeClr val="accent1"/>
+          </a:fillRef>
+          <a:effectRef idx="0">
+            <a:schemeClr val="accent1"/>
+          </a:effectRef>
+          <a:fontRef idx="minor">
+            <a:schemeClr val="tx1"/>
+          </a:fontRef>
+        </p:style>
+      </p:cxnSp>
+    </p:spTree>
+    <p:extLst>
+      <p:ext uri="{BB962C8B-B14F-4D97-AF65-F5344CB8AC3E}">
+        <p14:creationId xmlns:p14="http://schemas.microsoft.com/office/powerpoint/2010/main" val="1085561447"/>
+      </p:ext>
+    </p:extLst>
+  </p:cSld>
+  <p:clrMapOvr>
+    <a:masterClrMapping/>
+  </p:clrMapOvr>
+</p:sld>
+</file>
+
 <file path=ppt/theme/theme1.xml><?xml version="1.0" encoding="utf-8"?>
 <a:theme xmlns:a="http://schemas.openxmlformats.org/drawingml/2006/main" name="Thème Office">
   <a:themeElements>

--- a/design/AD/arborescence.pptx
+++ b/design/AD/arborescence.pptx
@@ -261,7 +261,7 @@
           <a:p>
             <a:fld id="{7961F5FF-605A-49D8-AE04-BE5422DEBD98}" type="datetimeFigureOut">
               <a:rPr lang="fr-FR" smtClean="0"/>
-              <a:t>16/04/2021</a:t>
+              <a:t>06/05/2021</a:t>
             </a:fld>
             <a:endParaRPr lang="fr-FR"/>
           </a:p>
@@ -459,7 +459,7 @@
           <a:p>
             <a:fld id="{7961F5FF-605A-49D8-AE04-BE5422DEBD98}" type="datetimeFigureOut">
               <a:rPr lang="fr-FR" smtClean="0"/>
-              <a:t>16/04/2021</a:t>
+              <a:t>06/05/2021</a:t>
             </a:fld>
             <a:endParaRPr lang="fr-FR"/>
           </a:p>
@@ -667,7 +667,7 @@
           <a:p>
             <a:fld id="{7961F5FF-605A-49D8-AE04-BE5422DEBD98}" type="datetimeFigureOut">
               <a:rPr lang="fr-FR" smtClean="0"/>
-              <a:t>16/04/2021</a:t>
+              <a:t>06/05/2021</a:t>
             </a:fld>
             <a:endParaRPr lang="fr-FR"/>
           </a:p>
@@ -865,7 +865,7 @@
           <a:p>
             <a:fld id="{7961F5FF-605A-49D8-AE04-BE5422DEBD98}" type="datetimeFigureOut">
               <a:rPr lang="fr-FR" smtClean="0"/>
-              <a:t>16/04/2021</a:t>
+              <a:t>06/05/2021</a:t>
             </a:fld>
             <a:endParaRPr lang="fr-FR"/>
           </a:p>
@@ -1140,7 +1140,7 @@
           <a:p>
             <a:fld id="{7961F5FF-605A-49D8-AE04-BE5422DEBD98}" type="datetimeFigureOut">
               <a:rPr lang="fr-FR" smtClean="0"/>
-              <a:t>16/04/2021</a:t>
+              <a:t>06/05/2021</a:t>
             </a:fld>
             <a:endParaRPr lang="fr-FR"/>
           </a:p>
@@ -1405,7 +1405,7 @@
           <a:p>
             <a:fld id="{7961F5FF-605A-49D8-AE04-BE5422DEBD98}" type="datetimeFigureOut">
               <a:rPr lang="fr-FR" smtClean="0"/>
-              <a:t>16/04/2021</a:t>
+              <a:t>06/05/2021</a:t>
             </a:fld>
             <a:endParaRPr lang="fr-FR"/>
           </a:p>
@@ -1817,7 +1817,7 @@
           <a:p>
             <a:fld id="{7961F5FF-605A-49D8-AE04-BE5422DEBD98}" type="datetimeFigureOut">
               <a:rPr lang="fr-FR" smtClean="0"/>
-              <a:t>16/04/2021</a:t>
+              <a:t>06/05/2021</a:t>
             </a:fld>
             <a:endParaRPr lang="fr-FR"/>
           </a:p>
@@ -1958,7 +1958,7 @@
           <a:p>
             <a:fld id="{7961F5FF-605A-49D8-AE04-BE5422DEBD98}" type="datetimeFigureOut">
               <a:rPr lang="fr-FR" smtClean="0"/>
-              <a:t>16/04/2021</a:t>
+              <a:t>06/05/2021</a:t>
             </a:fld>
             <a:endParaRPr lang="fr-FR"/>
           </a:p>
@@ -2071,7 +2071,7 @@
           <a:p>
             <a:fld id="{7961F5FF-605A-49D8-AE04-BE5422DEBD98}" type="datetimeFigureOut">
               <a:rPr lang="fr-FR" smtClean="0"/>
-              <a:t>16/04/2021</a:t>
+              <a:t>06/05/2021</a:t>
             </a:fld>
             <a:endParaRPr lang="fr-FR"/>
           </a:p>
@@ -2382,7 +2382,7 @@
           <a:p>
             <a:fld id="{7961F5FF-605A-49D8-AE04-BE5422DEBD98}" type="datetimeFigureOut">
               <a:rPr lang="fr-FR" smtClean="0"/>
-              <a:t>16/04/2021</a:t>
+              <a:t>06/05/2021</a:t>
             </a:fld>
             <a:endParaRPr lang="fr-FR"/>
           </a:p>
@@ -2670,7 +2670,7 @@
           <a:p>
             <a:fld id="{7961F5FF-605A-49D8-AE04-BE5422DEBD98}" type="datetimeFigureOut">
               <a:rPr lang="fr-FR" smtClean="0"/>
-              <a:t>16/04/2021</a:t>
+              <a:t>06/05/2021</a:t>
             </a:fld>
             <a:endParaRPr lang="fr-FR"/>
           </a:p>
@@ -2911,7 +2911,7 @@
           <a:p>
             <a:fld id="{7961F5FF-605A-49D8-AE04-BE5422DEBD98}" type="datetimeFigureOut">
               <a:rPr lang="fr-FR" smtClean="0"/>
-              <a:t>16/04/2021</a:t>
+              <a:t>06/05/2021</a:t>
             </a:fld>
             <a:endParaRPr lang="fr-FR"/>
           </a:p>
@@ -5291,18 +5291,13 @@
           <a:p>
             <a:pPr algn="ctr"/>
             <a:r>
-              <a:rPr lang="fr-FR" dirty="0" err="1">
+              <a:rPr lang="fr-FR" dirty="0">
                 <a:solidFill>
                   <a:schemeClr val="tx1"/>
                 </a:solidFill>
               </a:rPr>
-              <a:t>acceuil</a:t>
-            </a:r>
-            <a:endParaRPr lang="fr-FR" dirty="0">
-              <a:solidFill>
-                <a:schemeClr val="tx1"/>
-              </a:solidFill>
-            </a:endParaRPr>
+              <a:t>accueil</a:t>
+            </a:r>
           </a:p>
         </p:txBody>
       </p:sp>
@@ -5360,18 +5355,13 @@
           <a:p>
             <a:pPr algn="ctr"/>
             <a:r>
-              <a:rPr lang="fr-FR" dirty="0" err="1">
+              <a:rPr lang="fr-FR" dirty="0">
                 <a:solidFill>
                   <a:schemeClr val="tx1"/>
                 </a:solidFill>
               </a:rPr>
-              <a:t>credits</a:t>
-            </a:r>
-            <a:endParaRPr lang="fr-FR" dirty="0">
-              <a:solidFill>
-                <a:schemeClr val="tx1"/>
-              </a:solidFill>
-            </a:endParaRPr>
+              <a:t>crédits</a:t>
+            </a:r>
           </a:p>
         </p:txBody>
       </p:sp>
